--- a/Лекция 7.pptx
+++ b/Лекция 7.pptx
@@ -261,7 +261,7 @@
           <a:p>
             <a:fld id="{44DBC884-B382-4302-8488-D4E467EB670D}" type="datetimeFigureOut">
               <a:rPr lang="ru-RU" smtClean="0"/>
-              <a:t>12.02.2021</a:t>
+              <a:t>14.10.2021</a:t>
             </a:fld>
             <a:endParaRPr lang="ru-RU" dirty="0"/>
           </a:p>
@@ -660,7 +660,7 @@
           <a:p>
             <a:fld id="{9F4DF3D0-C105-404D-A43B-7CBA1B97B744}" type="datetimeFigureOut">
               <a:rPr lang="ru-RU" smtClean="0"/>
-              <a:t>12.02.2021</a:t>
+              <a:t>14.10.2021</a:t>
             </a:fld>
             <a:endParaRPr lang="ru-RU" dirty="0"/>
           </a:p>
@@ -830,7 +830,7 @@
           <a:p>
             <a:fld id="{9F4DF3D0-C105-404D-A43B-7CBA1B97B744}" type="datetimeFigureOut">
               <a:rPr lang="ru-RU" smtClean="0"/>
-              <a:t>12.02.2021</a:t>
+              <a:t>14.10.2021</a:t>
             </a:fld>
             <a:endParaRPr lang="ru-RU" dirty="0"/>
           </a:p>
@@ -1010,7 +1010,7 @@
           <a:p>
             <a:fld id="{9F4DF3D0-C105-404D-A43B-7CBA1B97B744}" type="datetimeFigureOut">
               <a:rPr lang="ru-RU" smtClean="0"/>
-              <a:t>12.02.2021</a:t>
+              <a:t>14.10.2021</a:t>
             </a:fld>
             <a:endParaRPr lang="ru-RU" dirty="0"/>
           </a:p>
@@ -1180,7 +1180,7 @@
           <a:p>
             <a:fld id="{9F4DF3D0-C105-404D-A43B-7CBA1B97B744}" type="datetimeFigureOut">
               <a:rPr lang="ru-RU" smtClean="0"/>
-              <a:t>12.02.2021</a:t>
+              <a:t>14.10.2021</a:t>
             </a:fld>
             <a:endParaRPr lang="ru-RU" dirty="0"/>
           </a:p>
@@ -1426,7 +1426,7 @@
           <a:p>
             <a:fld id="{9F4DF3D0-C105-404D-A43B-7CBA1B97B744}" type="datetimeFigureOut">
               <a:rPr lang="ru-RU" smtClean="0"/>
-              <a:t>12.02.2021</a:t>
+              <a:t>14.10.2021</a:t>
             </a:fld>
             <a:endParaRPr lang="ru-RU" dirty="0"/>
           </a:p>
@@ -1658,7 +1658,7 @@
           <a:p>
             <a:fld id="{9F4DF3D0-C105-404D-A43B-7CBA1B97B744}" type="datetimeFigureOut">
               <a:rPr lang="ru-RU" smtClean="0"/>
-              <a:t>12.02.2021</a:t>
+              <a:t>14.10.2021</a:t>
             </a:fld>
             <a:endParaRPr lang="ru-RU" dirty="0"/>
           </a:p>
@@ -2025,7 +2025,7 @@
           <a:p>
             <a:fld id="{9F4DF3D0-C105-404D-A43B-7CBA1B97B744}" type="datetimeFigureOut">
               <a:rPr lang="ru-RU" smtClean="0"/>
-              <a:t>12.02.2021</a:t>
+              <a:t>14.10.2021</a:t>
             </a:fld>
             <a:endParaRPr lang="ru-RU" dirty="0"/>
           </a:p>
@@ -2143,7 +2143,7 @@
           <a:p>
             <a:fld id="{9F4DF3D0-C105-404D-A43B-7CBA1B97B744}" type="datetimeFigureOut">
               <a:rPr lang="ru-RU" smtClean="0"/>
-              <a:t>12.02.2021</a:t>
+              <a:t>14.10.2021</a:t>
             </a:fld>
             <a:endParaRPr lang="ru-RU" dirty="0"/>
           </a:p>
@@ -2238,7 +2238,7 @@
           <a:p>
             <a:fld id="{9F4DF3D0-C105-404D-A43B-7CBA1B97B744}" type="datetimeFigureOut">
               <a:rPr lang="ru-RU" smtClean="0"/>
-              <a:t>12.02.2021</a:t>
+              <a:t>14.10.2021</a:t>
             </a:fld>
             <a:endParaRPr lang="ru-RU" dirty="0"/>
           </a:p>
@@ -2515,7 +2515,7 @@
           <a:p>
             <a:fld id="{9F4DF3D0-C105-404D-A43B-7CBA1B97B744}" type="datetimeFigureOut">
               <a:rPr lang="ru-RU" smtClean="0"/>
-              <a:t>12.02.2021</a:t>
+              <a:t>14.10.2021</a:t>
             </a:fld>
             <a:endParaRPr lang="ru-RU" dirty="0"/>
           </a:p>
@@ -2768,7 +2768,7 @@
           <a:p>
             <a:fld id="{9F4DF3D0-C105-404D-A43B-7CBA1B97B744}" type="datetimeFigureOut">
               <a:rPr lang="ru-RU" smtClean="0"/>
-              <a:t>12.02.2021</a:t>
+              <a:t>14.10.2021</a:t>
             </a:fld>
             <a:endParaRPr lang="ru-RU" dirty="0"/>
           </a:p>
@@ -2981,7 +2981,7 @@
           <a:p>
             <a:fld id="{9F4DF3D0-C105-404D-A43B-7CBA1B97B744}" type="datetimeFigureOut">
               <a:rPr lang="ru-RU" smtClean="0"/>
-              <a:t>12.02.2021</a:t>
+              <a:t>14.10.2021</a:t>
             </a:fld>
             <a:endParaRPr lang="ru-RU" dirty="0"/>
           </a:p>
@@ -22876,8 +22876,8 @@
           </a:p>
         </p:txBody>
       </p:sp>
-      <mc:AlternateContent xmlns:mc="http://schemas.openxmlformats.org/markup-compatibility/2006">
-        <mc:Choice xmlns:a14="http://schemas.microsoft.com/office/drawing/2010/main" Requires="a14">
+      <mc:AlternateContent xmlns:mc="http://schemas.openxmlformats.org/markup-compatibility/2006" xmlns:a14="http://schemas.microsoft.com/office/drawing/2010/main">
+        <mc:Choice Requires="a14">
           <p:sp>
             <p:nvSpPr>
               <p:cNvPr id="3" name="Объект 2"/>
@@ -23267,7 +23267,7 @@
                     <m:d>
                       <m:dPr>
                         <m:ctrlPr>
-                          <a:rPr lang="en-US">
+                          <a:rPr lang="en-US" i="1">
                             <a:latin typeface="Cambria Math" panose="02040503050406030204" pitchFamily="18" charset="0"/>
                           </a:rPr>
                         </m:ctrlPr>
@@ -23433,7 +23433,7 @@
             </p:txBody>
           </p:sp>
         </mc:Choice>
-        <mc:Fallback>
+        <mc:Fallback xmlns="">
           <p:sp>
             <p:nvSpPr>
               <p:cNvPr id="3" name="Объект 2"/>
@@ -26253,11 +26253,7 @@
           <a:p>
             <a:r>
               <a:rPr lang="ru-RU" dirty="0" smtClean="0"/>
-              <a:t>Метод опорных векторов, </a:t>
-            </a:r>
-            <a:r>
-              <a:rPr lang="ru-RU" dirty="0" smtClean="0"/>
-              <a:t>достоинства</a:t>
+              <a:t>Метод опорных векторов, достоинства</a:t>
             </a:r>
             <a:endParaRPr lang="ru-RU" dirty="0"/>
           </a:p>
@@ -26359,11 +26355,7 @@
           <a:p>
             <a:r>
               <a:rPr lang="ru-RU" dirty="0" smtClean="0"/>
-              <a:t>Метод опорных векторов, </a:t>
-            </a:r>
-            <a:r>
-              <a:rPr lang="ru-RU" dirty="0" smtClean="0"/>
-              <a:t>недостатки</a:t>
+              <a:t>Метод опорных векторов, недостатки</a:t>
             </a:r>
             <a:endParaRPr lang="ru-RU" dirty="0"/>
           </a:p>
@@ -30914,7 +30906,11 @@
             </a:pPr>
             <a:r>
               <a:rPr lang="ru-RU" dirty="0" smtClean="0"/>
-              <a:t>Сумма расстояний между опорными векторами и разделяющей гиперплоскость.</a:t>
+              <a:t>Сумма расстояний между опорными векторами и разделяющей </a:t>
+            </a:r>
+            <a:r>
+              <a:rPr lang="ru-RU" dirty="0" smtClean="0"/>
+              <a:t>гиперплоскостью.</a:t>
             </a:r>
             <a:endParaRPr lang="en-US" dirty="0"/>
           </a:p>
